--- a/Week 5/Econ144_Lec11.pptx
+++ b/Week 5/Econ144_Lec11.pptx
@@ -234,7 +234,7 @@
             <a:fld id="{BE50BAC9-D96F-6043-9C24-3CA1CCA5BE71}" type="datetimeFigureOut">
               <a:rPr lang="en-US" smtClean="0"/>
               <a:pPr/>
-              <a:t>5/1/2018</a:t>
+              <a:t>5/18/2018</a:t>
             </a:fld>
             <a:endParaRPr lang="en-US"/>
           </a:p>
@@ -397,7 +397,7 @@
             <a:fld id="{4D414C45-A818-8343-8DB1-68AFBE94AD91}" type="datetimeFigureOut">
               <a:rPr lang="en-US" smtClean="0"/>
               <a:pPr/>
-              <a:t>5/1/2018</a:t>
+              <a:t>5/18/2018</a:t>
             </a:fld>
             <a:endParaRPr lang="en-US"/>
           </a:p>
@@ -843,7 +843,7 @@
             <a:fld id="{C22F2E38-EDF2-0B4B-A1AE-2C9A9CC8448E}" type="datetime1">
               <a:rPr lang="en-US" smtClean="0"/>
               <a:pPr/>
-              <a:t>5/1/2018</a:t>
+              <a:t>5/18/2018</a:t>
             </a:fld>
             <a:endParaRPr lang="en-US"/>
           </a:p>
@@ -1008,7 +1008,7 @@
             <a:fld id="{7B4E94A1-FAB2-8540-996A-EF6238DC218B}" type="datetime1">
               <a:rPr lang="en-US" smtClean="0"/>
               <a:pPr/>
-              <a:t>5/1/2018</a:t>
+              <a:t>5/18/2018</a:t>
             </a:fld>
             <a:endParaRPr lang="en-US"/>
           </a:p>
@@ -1183,7 +1183,7 @@
             <a:fld id="{E4E3242E-FC60-354B-9E01-F98987CF91EA}" type="datetime1">
               <a:rPr lang="en-US" smtClean="0"/>
               <a:pPr/>
-              <a:t>5/1/2018</a:t>
+              <a:t>5/18/2018</a:t>
             </a:fld>
             <a:endParaRPr lang="en-US"/>
           </a:p>
@@ -1348,7 +1348,7 @@
             <a:fld id="{CE8A7A32-8E31-344A-9B2B-A10CFA75356E}" type="datetime1">
               <a:rPr lang="en-US" smtClean="0"/>
               <a:pPr/>
-              <a:t>5/1/2018</a:t>
+              <a:t>5/18/2018</a:t>
             </a:fld>
             <a:endParaRPr lang="en-US"/>
           </a:p>
@@ -1590,7 +1590,7 @@
             <a:fld id="{CAF3A19E-4A45-ED4F-BD27-B0EE52A51AF6}" type="datetime1">
               <a:rPr lang="en-US" smtClean="0"/>
               <a:pPr/>
-              <a:t>5/1/2018</a:t>
+              <a:t>5/18/2018</a:t>
             </a:fld>
             <a:endParaRPr lang="en-US"/>
           </a:p>
@@ -1872,7 +1872,7 @@
             <a:fld id="{DC8D4752-6B78-9841-8719-C037FEC45DC1}" type="datetime1">
               <a:rPr lang="en-US" smtClean="0"/>
               <a:pPr/>
-              <a:t>5/1/2018</a:t>
+              <a:t>5/18/2018</a:t>
             </a:fld>
             <a:endParaRPr lang="en-US"/>
           </a:p>
@@ -2288,7 +2288,7 @@
             <a:fld id="{ECA248A7-4584-084F-BB0A-E1A38D98CD94}" type="datetime1">
               <a:rPr lang="en-US" smtClean="0"/>
               <a:pPr/>
-              <a:t>5/1/2018</a:t>
+              <a:t>5/18/2018</a:t>
             </a:fld>
             <a:endParaRPr lang="en-US"/>
           </a:p>
@@ -2402,7 +2402,7 @@
             <a:fld id="{1234E8FB-B829-8A44-806E-D8D0FB4AB18A}" type="datetime1">
               <a:rPr lang="en-US" smtClean="0"/>
               <a:pPr/>
-              <a:t>5/1/2018</a:t>
+              <a:t>5/18/2018</a:t>
             </a:fld>
             <a:endParaRPr lang="en-US"/>
           </a:p>
@@ -2494,7 +2494,7 @@
             <a:fld id="{1E04AC61-63AC-8445-997C-669BD7969E4E}" type="datetime1">
               <a:rPr lang="en-US" smtClean="0"/>
               <a:pPr/>
-              <a:t>5/1/2018</a:t>
+              <a:t>5/18/2018</a:t>
             </a:fld>
             <a:endParaRPr lang="en-US"/>
           </a:p>
@@ -2766,7 +2766,7 @@
             <a:fld id="{CD6ED6C7-C2C5-C24C-AC8A-A91C9FF9B017}" type="datetime1">
               <a:rPr lang="en-US" smtClean="0"/>
               <a:pPr/>
-              <a:t>5/1/2018</a:t>
+              <a:t>5/18/2018</a:t>
             </a:fld>
             <a:endParaRPr lang="en-US"/>
           </a:p>
@@ -3015,7 +3015,7 @@
             <a:fld id="{D8C7839B-E887-0944-84C3-E700F2F6A56F}" type="datetime1">
               <a:rPr lang="en-US" smtClean="0"/>
               <a:pPr/>
-              <a:t>5/1/2018</a:t>
+              <a:t>5/18/2018</a:t>
             </a:fld>
             <a:endParaRPr lang="en-US"/>
           </a:p>
@@ -3223,7 +3223,7 @@
             <a:fld id="{CB6D0F97-75B8-7541-A107-497A429A2E0D}" type="datetime1">
               <a:rPr lang="en-US" smtClean="0"/>
               <a:pPr/>
-              <a:t>5/1/2018</a:t>
+              <a:t>5/18/2018</a:t>
             </a:fld>
             <a:endParaRPr lang="en-US"/>
           </a:p>
@@ -4000,7 +4000,7 @@
           <p:nvPr/>
         </p:nvPicPr>
         <mc:AlternateContent xmlns:mc="http://schemas.openxmlformats.org/markup-compatibility/2006">
-          <mc:Choice xmlns:ma="http://schemas.microsoft.com/office/mac/drawingml/2008/main" xmlns:mv="urn:schemas-microsoft-com:mac:vml" xmlns="" Requires="ma">
+          <mc:Choice xmlns="" xmlns:mv="urn:schemas-microsoft-com:mac:vml" xmlns:ma="http://schemas.microsoft.com/office/mac/drawingml/2008/main" Requires="ma">
             <p:blipFill>
               <a:blip r:embed="rId2"/>
               <a:stretch>
@@ -4621,7 +4621,7 @@
           <p:nvPr/>
         </p:nvPicPr>
         <mc:AlternateContent xmlns:mc="http://schemas.openxmlformats.org/markup-compatibility/2006">
-          <mc:Choice xmlns:ma="http://schemas.microsoft.com/office/mac/drawingml/2008/main" xmlns:mv="urn:schemas-microsoft-com:mac:vml" xmlns="" Requires="ma">
+          <mc:Choice xmlns="" xmlns:mv="urn:schemas-microsoft-com:mac:vml" xmlns:ma="http://schemas.microsoft.com/office/mac/drawingml/2008/main" Requires="ma">
             <p:blipFill>
               <a:blip r:embed="rId2"/>
               <a:stretch>
@@ -4657,7 +4657,7 @@
           <p:nvPr/>
         </p:nvPicPr>
         <mc:AlternateContent xmlns:mc="http://schemas.openxmlformats.org/markup-compatibility/2006">
-          <mc:Choice xmlns:ma="http://schemas.microsoft.com/office/mac/drawingml/2008/main" xmlns:mv="urn:schemas-microsoft-com:mac:vml" xmlns="" Requires="ma">
+          <mc:Choice xmlns="" xmlns:mv="urn:schemas-microsoft-com:mac:vml" xmlns:ma="http://schemas.microsoft.com/office/mac/drawingml/2008/main" Requires="ma">
             <p:blipFill>
               <a:blip r:embed="rId4"/>
               <a:stretch>
@@ -4731,7 +4731,7 @@
           <p:nvPr/>
         </p:nvPicPr>
         <mc:AlternateContent xmlns:mc="http://schemas.openxmlformats.org/markup-compatibility/2006">
-          <mc:Choice xmlns:ma="http://schemas.microsoft.com/office/mac/drawingml/2008/main" xmlns:mv="urn:schemas-microsoft-com:mac:vml" xmlns="" Requires="ma">
+          <mc:Choice xmlns="" xmlns:mv="urn:schemas-microsoft-com:mac:vml" xmlns:ma="http://schemas.microsoft.com/office/mac/drawingml/2008/main" Requires="ma">
             <p:blipFill>
               <a:blip r:embed="rId6"/>
               <a:stretch>
@@ -4767,7 +4767,7 @@
           <p:nvPr/>
         </p:nvPicPr>
         <mc:AlternateContent xmlns:mc="http://schemas.openxmlformats.org/markup-compatibility/2006">
-          <mc:Choice xmlns:ma="http://schemas.microsoft.com/office/mac/drawingml/2008/main" xmlns:mv="urn:schemas-microsoft-com:mac:vml" xmlns="" Requires="ma">
+          <mc:Choice xmlns="" xmlns:mv="urn:schemas-microsoft-com:mac:vml" xmlns:ma="http://schemas.microsoft.com/office/mac/drawingml/2008/main" Requires="ma">
             <p:blipFill>
               <a:blip r:embed="rId8"/>
               <a:stretch>
@@ -4877,7 +4877,7 @@
           <p:nvPr/>
         </p:nvPicPr>
         <mc:AlternateContent xmlns:mc="http://schemas.openxmlformats.org/markup-compatibility/2006">
-          <mc:Choice xmlns:ma="http://schemas.microsoft.com/office/mac/drawingml/2008/main" xmlns:mv="urn:schemas-microsoft-com:mac:vml" xmlns="" Requires="ma">
+          <mc:Choice xmlns="" xmlns:mv="urn:schemas-microsoft-com:mac:vml" xmlns:ma="http://schemas.microsoft.com/office/mac/drawingml/2008/main" Requires="ma">
             <p:blipFill>
               <a:blip r:embed="rId10"/>
               <a:stretch>
@@ -5461,7 +5461,7 @@
           <p:nvPr/>
         </p:nvPicPr>
         <mc:AlternateContent xmlns:mc="http://schemas.openxmlformats.org/markup-compatibility/2006">
-          <mc:Choice xmlns:ma="http://schemas.microsoft.com/office/mac/drawingml/2008/main" xmlns:mv="urn:schemas-microsoft-com:mac:vml" xmlns="" Requires="ma">
+          <mc:Choice xmlns="" xmlns:mv="urn:schemas-microsoft-com:mac:vml" xmlns:ma="http://schemas.microsoft.com/office/mac/drawingml/2008/main" Requires="ma">
             <p:blipFill>
               <a:blip r:embed="rId2"/>
               <a:stretch>
@@ -5497,7 +5497,7 @@
           <p:nvPr/>
         </p:nvPicPr>
         <mc:AlternateContent xmlns:mc="http://schemas.openxmlformats.org/markup-compatibility/2006">
-          <mc:Choice xmlns:ma="http://schemas.microsoft.com/office/mac/drawingml/2008/main" xmlns:mv="urn:schemas-microsoft-com:mac:vml" xmlns="" Requires="ma">
+          <mc:Choice xmlns="" xmlns:mv="urn:schemas-microsoft-com:mac:vml" xmlns:ma="http://schemas.microsoft.com/office/mac/drawingml/2008/main" Requires="ma">
             <p:blipFill>
               <a:blip r:embed="rId4"/>
               <a:stretch>
@@ -5866,7 +5866,7 @@
           <p:nvPr/>
         </p:nvPicPr>
         <mc:AlternateContent xmlns:mc="http://schemas.openxmlformats.org/markup-compatibility/2006">
-          <mc:Choice xmlns:ma="http://schemas.microsoft.com/office/mac/drawingml/2008/main" xmlns:mv="urn:schemas-microsoft-com:mac:vml" xmlns="" Requires="ma">
+          <mc:Choice xmlns="" xmlns:mv="urn:schemas-microsoft-com:mac:vml" xmlns:ma="http://schemas.microsoft.com/office/mac/drawingml/2008/main" Requires="ma">
             <p:blipFill>
               <a:blip r:embed="rId2"/>
               <a:stretch>
@@ -5902,7 +5902,7 @@
           <p:nvPr/>
         </p:nvPicPr>
         <mc:AlternateContent xmlns:mc="http://schemas.openxmlformats.org/markup-compatibility/2006">
-          <mc:Choice xmlns:ma="http://schemas.microsoft.com/office/mac/drawingml/2008/main" xmlns:mv="urn:schemas-microsoft-com:mac:vml" xmlns="" Requires="ma">
+          <mc:Choice xmlns="" xmlns:mv="urn:schemas-microsoft-com:mac:vml" xmlns:ma="http://schemas.microsoft.com/office/mac/drawingml/2008/main" Requires="ma">
             <p:blipFill>
               <a:blip r:embed="rId4"/>
               <a:stretch>
@@ -5938,7 +5938,7 @@
           <p:nvPr/>
         </p:nvPicPr>
         <mc:AlternateContent xmlns:mc="http://schemas.openxmlformats.org/markup-compatibility/2006">
-          <mc:Choice xmlns:ma="http://schemas.microsoft.com/office/mac/drawingml/2008/main" xmlns:mv="urn:schemas-microsoft-com:mac:vml" xmlns="" Requires="ma">
+          <mc:Choice xmlns="" xmlns:mv="urn:schemas-microsoft-com:mac:vml" xmlns:ma="http://schemas.microsoft.com/office/mac/drawingml/2008/main" Requires="ma">
             <p:blipFill>
               <a:blip r:embed="rId6"/>
               <a:stretch>
@@ -5974,7 +5974,7 @@
           <p:nvPr/>
         </p:nvPicPr>
         <mc:AlternateContent xmlns:mc="http://schemas.openxmlformats.org/markup-compatibility/2006">
-          <mc:Choice xmlns:ma="http://schemas.microsoft.com/office/mac/drawingml/2008/main" xmlns:mv="urn:schemas-microsoft-com:mac:vml" xmlns="" Requires="ma">
+          <mc:Choice xmlns="" xmlns:mv="urn:schemas-microsoft-com:mac:vml" xmlns:ma="http://schemas.microsoft.com/office/mac/drawingml/2008/main" Requires="ma">
             <p:blipFill>
               <a:blip r:embed="rId8"/>
               <a:stretch>
@@ -6010,7 +6010,7 @@
           <p:nvPr/>
         </p:nvPicPr>
         <mc:AlternateContent xmlns:mc="http://schemas.openxmlformats.org/markup-compatibility/2006">
-          <mc:Choice xmlns:ma="http://schemas.microsoft.com/office/mac/drawingml/2008/main" xmlns:mv="urn:schemas-microsoft-com:mac:vml" xmlns="" Requires="ma">
+          <mc:Choice xmlns="" xmlns:mv="urn:schemas-microsoft-com:mac:vml" xmlns:ma="http://schemas.microsoft.com/office/mac/drawingml/2008/main" Requires="ma">
             <p:blipFill>
               <a:blip r:embed="rId10"/>
               <a:stretch>
@@ -6602,7 +6602,7 @@
           <p:nvPr/>
         </p:nvPicPr>
         <mc:AlternateContent xmlns:mc="http://schemas.openxmlformats.org/markup-compatibility/2006">
-          <mc:Choice xmlns:ma="http://schemas.microsoft.com/office/mac/drawingml/2008/main" xmlns:mv="urn:schemas-microsoft-com:mac:vml" xmlns="" Requires="ma">
+          <mc:Choice xmlns="" xmlns:mv="urn:schemas-microsoft-com:mac:vml" xmlns:ma="http://schemas.microsoft.com/office/mac/drawingml/2008/main" Requires="ma">
             <p:blipFill>
               <a:blip r:embed="rId2"/>
               <a:stretch>
@@ -6638,7 +6638,7 @@
           <p:nvPr/>
         </p:nvPicPr>
         <mc:AlternateContent xmlns:mc="http://schemas.openxmlformats.org/markup-compatibility/2006">
-          <mc:Choice xmlns:ma="http://schemas.microsoft.com/office/mac/drawingml/2008/main" xmlns:mv="urn:schemas-microsoft-com:mac:vml" xmlns="" Requires="ma">
+          <mc:Choice xmlns="" xmlns:mv="urn:schemas-microsoft-com:mac:vml" xmlns:ma="http://schemas.microsoft.com/office/mac/drawingml/2008/main" Requires="ma">
             <p:blipFill>
               <a:blip r:embed="rId4"/>
               <a:stretch>
@@ -6674,7 +6674,7 @@
           <p:nvPr/>
         </p:nvPicPr>
         <mc:AlternateContent xmlns:mc="http://schemas.openxmlformats.org/markup-compatibility/2006">
-          <mc:Choice xmlns:ma="http://schemas.microsoft.com/office/mac/drawingml/2008/main" xmlns:mv="urn:schemas-microsoft-com:mac:vml" xmlns="" Requires="ma">
+          <mc:Choice xmlns="" xmlns:mv="urn:schemas-microsoft-com:mac:vml" xmlns:ma="http://schemas.microsoft.com/office/mac/drawingml/2008/main" Requires="ma">
             <p:blipFill>
               <a:blip r:embed="rId6"/>
               <a:stretch>
@@ -6710,7 +6710,7 @@
           <p:nvPr/>
         </p:nvPicPr>
         <mc:AlternateContent xmlns:mc="http://schemas.openxmlformats.org/markup-compatibility/2006">
-          <mc:Choice xmlns:ma="http://schemas.microsoft.com/office/mac/drawingml/2008/main" xmlns:mv="urn:schemas-microsoft-com:mac:vml" xmlns="" Requires="ma">
+          <mc:Choice xmlns="" xmlns:mv="urn:schemas-microsoft-com:mac:vml" xmlns:ma="http://schemas.microsoft.com/office/mac/drawingml/2008/main" Requires="ma">
             <p:blipFill>
               <a:blip r:embed="rId8"/>
               <a:stretch>
@@ -6821,7 +6821,7 @@
           <p:nvPr/>
         </p:nvPicPr>
         <mc:AlternateContent xmlns:mc="http://schemas.openxmlformats.org/markup-compatibility/2006">
-          <mc:Choice xmlns:ma="http://schemas.microsoft.com/office/mac/drawingml/2008/main" xmlns:mv="urn:schemas-microsoft-com:mac:vml" xmlns="" Requires="ma">
+          <mc:Choice xmlns="" xmlns:mv="urn:schemas-microsoft-com:mac:vml" xmlns:ma="http://schemas.microsoft.com/office/mac/drawingml/2008/main" Requires="ma">
             <p:blipFill>
               <a:blip r:embed="rId10"/>
               <a:stretch>
@@ -8307,7 +8307,7 @@
           <p:nvPr/>
         </p:nvPicPr>
         <mc:AlternateContent xmlns:mc="http://schemas.openxmlformats.org/markup-compatibility/2006">
-          <mc:Choice xmlns:ma="http://schemas.microsoft.com/office/mac/drawingml/2008/main" xmlns:mv="urn:schemas-microsoft-com:mac:vml" xmlns="" Requires="ma">
+          <mc:Choice xmlns="" xmlns:mv="urn:schemas-microsoft-com:mac:vml" xmlns:ma="http://schemas.microsoft.com/office/mac/drawingml/2008/main" Requires="ma">
             <p:blipFill>
               <a:blip r:embed="rId2"/>
               <a:stretch>
@@ -8343,7 +8343,7 @@
           <p:nvPr/>
         </p:nvPicPr>
         <mc:AlternateContent xmlns:mc="http://schemas.openxmlformats.org/markup-compatibility/2006">
-          <mc:Choice xmlns:ma="http://schemas.microsoft.com/office/mac/drawingml/2008/main" xmlns:mv="urn:schemas-microsoft-com:mac:vml" xmlns="" Requires="ma">
+          <mc:Choice xmlns="" xmlns:mv="urn:schemas-microsoft-com:mac:vml" xmlns:ma="http://schemas.microsoft.com/office/mac/drawingml/2008/main" Requires="ma">
             <p:blipFill>
               <a:blip r:embed="rId4"/>
               <a:stretch>
@@ -8555,7 +8555,7 @@
           <p:nvPr/>
         </p:nvPicPr>
         <mc:AlternateContent xmlns:mc="http://schemas.openxmlformats.org/markup-compatibility/2006">
-          <mc:Choice xmlns:ma="http://schemas.microsoft.com/office/mac/drawingml/2008/main" xmlns:mv="urn:schemas-microsoft-com:mac:vml" xmlns="" Requires="ma">
+          <mc:Choice xmlns="" xmlns:mv="urn:schemas-microsoft-com:mac:vml" xmlns:ma="http://schemas.microsoft.com/office/mac/drawingml/2008/main" Requires="ma">
             <p:blipFill>
               <a:blip r:embed="rId6"/>
               <a:stretch>
@@ -8591,7 +8591,7 @@
           <p:nvPr/>
         </p:nvPicPr>
         <mc:AlternateContent xmlns:mc="http://schemas.openxmlformats.org/markup-compatibility/2006">
-          <mc:Choice xmlns:ma="http://schemas.microsoft.com/office/mac/drawingml/2008/main" xmlns:mv="urn:schemas-microsoft-com:mac:vml" xmlns="" Requires="ma">
+          <mc:Choice xmlns="" xmlns:mv="urn:schemas-microsoft-com:mac:vml" xmlns:ma="http://schemas.microsoft.com/office/mac/drawingml/2008/main" Requires="ma">
             <p:blipFill>
               <a:blip r:embed="rId8"/>
               <a:stretch>
@@ -9134,7 +9134,7 @@
           <p:nvPr/>
         </p:nvPicPr>
         <mc:AlternateContent xmlns:mc="http://schemas.openxmlformats.org/markup-compatibility/2006">
-          <mc:Choice xmlns:ma="http://schemas.microsoft.com/office/mac/drawingml/2008/main" xmlns:mv="urn:schemas-microsoft-com:mac:vml" xmlns="" Requires="ma">
+          <mc:Choice xmlns="" xmlns:mv="urn:schemas-microsoft-com:mac:vml" xmlns:ma="http://schemas.microsoft.com/office/mac/drawingml/2008/main" Requires="ma">
             <p:blipFill>
               <a:blip r:embed="rId2"/>
               <a:stretch>
@@ -9170,7 +9170,7 @@
           <p:nvPr/>
         </p:nvPicPr>
         <mc:AlternateContent xmlns:mc="http://schemas.openxmlformats.org/markup-compatibility/2006">
-          <mc:Choice xmlns:ma="http://schemas.microsoft.com/office/mac/drawingml/2008/main" xmlns:mv="urn:schemas-microsoft-com:mac:vml" xmlns="" Requires="ma">
+          <mc:Choice xmlns="" xmlns:mv="urn:schemas-microsoft-com:mac:vml" xmlns:ma="http://schemas.microsoft.com/office/mac/drawingml/2008/main" Requires="ma">
             <p:blipFill>
               <a:blip r:embed="rId4"/>
               <a:stretch>
@@ -9206,7 +9206,7 @@
           <p:nvPr/>
         </p:nvPicPr>
         <mc:AlternateContent xmlns:mc="http://schemas.openxmlformats.org/markup-compatibility/2006">
-          <mc:Choice xmlns:ma="http://schemas.microsoft.com/office/mac/drawingml/2008/main" xmlns:mv="urn:schemas-microsoft-com:mac:vml" xmlns="" Requires="ma">
+          <mc:Choice xmlns="" xmlns:mv="urn:schemas-microsoft-com:mac:vml" xmlns:ma="http://schemas.microsoft.com/office/mac/drawingml/2008/main" Requires="ma">
             <p:blipFill>
               <a:blip r:embed="rId6"/>
               <a:stretch>
@@ -9242,7 +9242,7 @@
           <p:nvPr/>
         </p:nvPicPr>
         <mc:AlternateContent xmlns:mc="http://schemas.openxmlformats.org/markup-compatibility/2006">
-          <mc:Choice xmlns:ma="http://schemas.microsoft.com/office/mac/drawingml/2008/main" xmlns:mv="urn:schemas-microsoft-com:mac:vml" xmlns="" Requires="ma">
+          <mc:Choice xmlns="" xmlns:mv="urn:schemas-microsoft-com:mac:vml" xmlns:ma="http://schemas.microsoft.com/office/mac/drawingml/2008/main" Requires="ma">
             <p:blipFill>
               <a:blip r:embed="rId8"/>
               <a:stretch>
@@ -9278,7 +9278,7 @@
           <p:nvPr/>
         </p:nvPicPr>
         <mc:AlternateContent xmlns:mc="http://schemas.openxmlformats.org/markup-compatibility/2006">
-          <mc:Choice xmlns:ma="http://schemas.microsoft.com/office/mac/drawingml/2008/main" xmlns:mv="urn:schemas-microsoft-com:mac:vml" xmlns="" Requires="ma">
+          <mc:Choice xmlns="" xmlns:mv="urn:schemas-microsoft-com:mac:vml" xmlns:ma="http://schemas.microsoft.com/office/mac/drawingml/2008/main" Requires="ma">
             <p:blipFill>
               <a:blip r:embed="rId10"/>
               <a:stretch>
@@ -9314,7 +9314,7 @@
           <p:nvPr/>
         </p:nvPicPr>
         <mc:AlternateContent xmlns:mc="http://schemas.openxmlformats.org/markup-compatibility/2006">
-          <mc:Choice xmlns:ma="http://schemas.microsoft.com/office/mac/drawingml/2008/main" xmlns:mv="urn:schemas-microsoft-com:mac:vml" xmlns="" Requires="ma">
+          <mc:Choice xmlns="" xmlns:mv="urn:schemas-microsoft-com:mac:vml" xmlns:ma="http://schemas.microsoft.com/office/mac/drawingml/2008/main" Requires="ma">
             <p:blipFill>
               <a:blip r:embed="rId12"/>
               <a:stretch>
@@ -9350,7 +9350,7 @@
           <p:nvPr/>
         </p:nvPicPr>
         <mc:AlternateContent xmlns:mc="http://schemas.openxmlformats.org/markup-compatibility/2006">
-          <mc:Choice xmlns:ma="http://schemas.microsoft.com/office/mac/drawingml/2008/main" xmlns:mv="urn:schemas-microsoft-com:mac:vml" xmlns="" Requires="ma">
+          <mc:Choice xmlns="" xmlns:mv="urn:schemas-microsoft-com:mac:vml" xmlns:ma="http://schemas.microsoft.com/office/mac/drawingml/2008/main" Requires="ma">
             <p:blipFill>
               <a:blip r:embed="rId14"/>
               <a:stretch>
@@ -9398,7 +9398,7 @@
           <p:nvPr/>
         </p:nvPicPr>
         <mc:AlternateContent xmlns:mc="http://schemas.openxmlformats.org/markup-compatibility/2006">
-          <mc:Choice xmlns:ma="http://schemas.microsoft.com/office/mac/drawingml/2008/main" xmlns:mv="urn:schemas-microsoft-com:mac:vml" xmlns="" Requires="ma">
+          <mc:Choice xmlns="" xmlns:mv="urn:schemas-microsoft-com:mac:vml" xmlns:ma="http://schemas.microsoft.com/office/mac/drawingml/2008/main" Requires="ma">
             <p:blipFill>
               <a:blip r:embed="rId16"/>
               <a:stretch>
@@ -9434,7 +9434,7 @@
           <p:nvPr/>
         </p:nvPicPr>
         <mc:AlternateContent xmlns:mc="http://schemas.openxmlformats.org/markup-compatibility/2006">
-          <mc:Choice xmlns:ma="http://schemas.microsoft.com/office/mac/drawingml/2008/main" xmlns:mv="urn:schemas-microsoft-com:mac:vml" xmlns="" Requires="ma">
+          <mc:Choice xmlns="" xmlns:mv="urn:schemas-microsoft-com:mac:vml" xmlns:ma="http://schemas.microsoft.com/office/mac/drawingml/2008/main" Requires="ma">
             <p:blipFill>
               <a:blip r:embed="rId18"/>
               <a:stretch>
@@ -9678,7 +9678,7 @@
           <p:nvPr/>
         </p:nvPicPr>
         <mc:AlternateContent xmlns:mc="http://schemas.openxmlformats.org/markup-compatibility/2006">
-          <mc:Choice xmlns:ma="http://schemas.microsoft.com/office/mac/drawingml/2008/main" xmlns:mv="urn:schemas-microsoft-com:mac:vml" xmlns="" Requires="ma">
+          <mc:Choice xmlns="" xmlns:mv="urn:schemas-microsoft-com:mac:vml" xmlns:ma="http://schemas.microsoft.com/office/mac/drawingml/2008/main" Requires="ma">
             <p:blipFill>
               <a:blip r:embed="rId20"/>
               <a:stretch>
@@ -10257,7 +10257,7 @@
           <p:nvPr/>
         </p:nvPicPr>
         <mc:AlternateContent xmlns:mc="http://schemas.openxmlformats.org/markup-compatibility/2006">
-          <mc:Choice xmlns:ma="http://schemas.microsoft.com/office/mac/drawingml/2008/main" xmlns:mv="urn:schemas-microsoft-com:mac:vml" xmlns="" Requires="ma">
+          <mc:Choice xmlns="" xmlns:mv="urn:schemas-microsoft-com:mac:vml" xmlns:ma="http://schemas.microsoft.com/office/mac/drawingml/2008/main" Requires="ma">
             <p:blipFill>
               <a:blip r:embed="rId2"/>
               <a:stretch>
@@ -10413,7 +10413,7 @@
           <p:nvPr/>
         </p:nvPicPr>
         <mc:AlternateContent xmlns:mc="http://schemas.openxmlformats.org/markup-compatibility/2006">
-          <mc:Choice xmlns:ma="http://schemas.microsoft.com/office/mac/drawingml/2008/main" xmlns:mv="urn:schemas-microsoft-com:mac:vml" xmlns="" Requires="ma">
+          <mc:Choice xmlns="" xmlns:mv="urn:schemas-microsoft-com:mac:vml" xmlns:ma="http://schemas.microsoft.com/office/mac/drawingml/2008/main" Requires="ma">
             <p:blipFill>
               <a:blip r:embed="rId4"/>
               <a:stretch>
@@ -10449,7 +10449,7 @@
           <p:nvPr/>
         </p:nvPicPr>
         <mc:AlternateContent xmlns:mc="http://schemas.openxmlformats.org/markup-compatibility/2006">
-          <mc:Choice xmlns:ma="http://schemas.microsoft.com/office/mac/drawingml/2008/main" xmlns:mv="urn:schemas-microsoft-com:mac:vml" xmlns="" Requires="ma">
+          <mc:Choice xmlns="" xmlns:mv="urn:schemas-microsoft-com:mac:vml" xmlns:ma="http://schemas.microsoft.com/office/mac/drawingml/2008/main" Requires="ma">
             <p:blipFill>
               <a:blip r:embed="rId6"/>
               <a:stretch>
@@ -11022,7 +11022,7 @@
           <p:nvPr/>
         </p:nvPicPr>
         <mc:AlternateContent xmlns:mc="http://schemas.openxmlformats.org/markup-compatibility/2006">
-          <mc:Choice xmlns:ma="http://schemas.microsoft.com/office/mac/drawingml/2008/main" xmlns:mv="urn:schemas-microsoft-com:mac:vml" xmlns="" Requires="ma">
+          <mc:Choice xmlns="" xmlns:mv="urn:schemas-microsoft-com:mac:vml" xmlns:ma="http://schemas.microsoft.com/office/mac/drawingml/2008/main" Requires="ma">
             <p:blipFill>
               <a:blip r:embed="rId2"/>
               <a:stretch>
@@ -11058,7 +11058,7 @@
           <p:nvPr/>
         </p:nvPicPr>
         <mc:AlternateContent xmlns:mc="http://schemas.openxmlformats.org/markup-compatibility/2006">
-          <mc:Choice xmlns:ma="http://schemas.microsoft.com/office/mac/drawingml/2008/main" xmlns:mv="urn:schemas-microsoft-com:mac:vml" xmlns="" Requires="ma">
+          <mc:Choice xmlns="" xmlns:mv="urn:schemas-microsoft-com:mac:vml" xmlns:ma="http://schemas.microsoft.com/office/mac/drawingml/2008/main" Requires="ma">
             <p:blipFill>
               <a:blip r:embed="rId4"/>
               <a:stretch>
@@ -11305,7 +11305,7 @@
           <p:nvPr/>
         </p:nvPicPr>
         <mc:AlternateContent xmlns:mc="http://schemas.openxmlformats.org/markup-compatibility/2006">
-          <mc:Choice xmlns:ma="http://schemas.microsoft.com/office/mac/drawingml/2008/main" xmlns:mv="urn:schemas-microsoft-com:mac:vml" xmlns="" Requires="ma">
+          <mc:Choice xmlns="" xmlns:mv="urn:schemas-microsoft-com:mac:vml" xmlns:ma="http://schemas.microsoft.com/office/mac/drawingml/2008/main" Requires="ma">
             <p:blipFill>
               <a:blip r:embed="rId2"/>
               <a:stretch>
@@ -11341,7 +11341,7 @@
           <p:nvPr/>
         </p:nvPicPr>
         <mc:AlternateContent xmlns:mc="http://schemas.openxmlformats.org/markup-compatibility/2006">
-          <mc:Choice xmlns:ma="http://schemas.microsoft.com/office/mac/drawingml/2008/main" xmlns:mv="urn:schemas-microsoft-com:mac:vml" xmlns="" Requires="ma">
+          <mc:Choice xmlns="" xmlns:mv="urn:schemas-microsoft-com:mac:vml" xmlns:ma="http://schemas.microsoft.com/office/mac/drawingml/2008/main" Requires="ma">
             <p:blipFill>
               <a:blip r:embed="rId4"/>
               <a:stretch>
@@ -11751,7 +11751,7 @@
           <p:nvPr/>
         </p:nvPicPr>
         <mc:AlternateContent xmlns:mc="http://schemas.openxmlformats.org/markup-compatibility/2006">
-          <mc:Choice xmlns:ma="http://schemas.microsoft.com/office/mac/drawingml/2008/main" xmlns:mv="urn:schemas-microsoft-com:mac:vml" xmlns="" Requires="ma">
+          <mc:Choice xmlns="" xmlns:mv="urn:schemas-microsoft-com:mac:vml" xmlns:ma="http://schemas.microsoft.com/office/mac/drawingml/2008/main" Requires="ma">
             <p:blipFill>
               <a:blip r:embed="rId2"/>
               <a:stretch>
@@ -11787,7 +11787,7 @@
           <p:nvPr/>
         </p:nvPicPr>
         <mc:AlternateContent xmlns:mc="http://schemas.openxmlformats.org/markup-compatibility/2006">
-          <mc:Choice xmlns:ma="http://schemas.microsoft.com/office/mac/drawingml/2008/main" xmlns:mv="urn:schemas-microsoft-com:mac:vml" xmlns="" Requires="ma">
+          <mc:Choice xmlns="" xmlns:mv="urn:schemas-microsoft-com:mac:vml" xmlns:ma="http://schemas.microsoft.com/office/mac/drawingml/2008/main" Requires="ma">
             <p:blipFill>
               <a:blip r:embed="rId4"/>
               <a:stretch>
@@ -11913,7 +11913,7 @@
           <p:nvPr/>
         </p:nvPicPr>
         <mc:AlternateContent xmlns:mc="http://schemas.openxmlformats.org/markup-compatibility/2006">
-          <mc:Choice xmlns:ma="http://schemas.microsoft.com/office/mac/drawingml/2008/main" xmlns:mv="urn:schemas-microsoft-com:mac:vml" xmlns="" Requires="ma">
+          <mc:Choice xmlns="" xmlns:mv="urn:schemas-microsoft-com:mac:vml" xmlns:ma="http://schemas.microsoft.com/office/mac/drawingml/2008/main" Requires="ma">
             <p:blipFill>
               <a:blip r:embed="rId6"/>
               <a:stretch>
@@ -11949,7 +11949,7 @@
           <p:nvPr/>
         </p:nvPicPr>
         <mc:AlternateContent xmlns:mc="http://schemas.openxmlformats.org/markup-compatibility/2006">
-          <mc:Choice xmlns:ma="http://schemas.microsoft.com/office/mac/drawingml/2008/main" xmlns:mv="urn:schemas-microsoft-com:mac:vml" xmlns="" Requires="ma">
+          <mc:Choice xmlns="" xmlns:mv="urn:schemas-microsoft-com:mac:vml" xmlns:ma="http://schemas.microsoft.com/office/mac/drawingml/2008/main" Requires="ma">
             <p:blipFill>
               <a:blip r:embed="rId8"/>
               <a:stretch>
@@ -11968,8 +11968,8 @@
         </mc:AlternateContent>
         <p:spPr>
           <a:xfrm>
-            <a:off x="891107" y="5431902"/>
-            <a:ext cx="1627632" cy="725268"/>
+            <a:off x="1076750" y="5673932"/>
+            <a:ext cx="1378743" cy="614364"/>
           </a:xfrm>
           <a:prstGeom prst="rect">
             <a:avLst/>
@@ -11985,7 +11985,7 @@
           <p:nvPr/>
         </p:nvPicPr>
         <mc:AlternateContent xmlns:mc="http://schemas.openxmlformats.org/markup-compatibility/2006">
-          <mc:Choice xmlns:ma="http://schemas.microsoft.com/office/mac/drawingml/2008/main" xmlns:mv="urn:schemas-microsoft-com:mac:vml" xmlns="" Requires="ma">
+          <mc:Choice xmlns="" xmlns:mv="urn:schemas-microsoft-com:mac:vml" xmlns:ma="http://schemas.microsoft.com/office/mac/drawingml/2008/main" Requires="ma">
             <p:blipFill>
               <a:blip r:embed="rId10"/>
               <a:stretch>
